--- a/spring13/slides13/expected-heads.pptx
+++ b/spring13/slides13/expected-heads.pptx
@@ -3550,7 +3550,7 @@
           <a:graphicData uri="http://schemas.openxmlformats.org/presentationml/2006/ole">
             <mc:AlternateContent xmlns:mc="http://schemas.openxmlformats.org/markup-compatibility/2006">
               <mc:Choice xmlns:v="urn:schemas-microsoft-com:vml" Requires="v">
-                <p:oleObj spid="_x0000_s583707" name="Equation" r:id="rId4" imgW="1739880" imgH="507960" progId="Equation.DSMT4">
+                <p:oleObj spid="_x0000_s583710" name="Equation" r:id="rId4" imgW="1739880" imgH="507960" progId="Equation.DSMT4">
                   <p:embed/>
                 </p:oleObj>
               </mc:Choice>
@@ -3645,7 +3645,7 @@
           <a:graphicData uri="http://schemas.openxmlformats.org/presentationml/2006/ole">
             <mc:AlternateContent xmlns:mc="http://schemas.openxmlformats.org/markup-compatibility/2006">
               <mc:Choice xmlns:v="urn:schemas-microsoft-com:vml" Requires="v">
-                <p:oleObj spid="_x0000_s583708" name="Equation" r:id="rId6" imgW="1866900" imgH="520700" progId="Equation.DSMT4">
+                <p:oleObj spid="_x0000_s583711" name="Equation" r:id="rId6" imgW="1866900" imgH="520700" progId="Equation.DSMT4">
                   <p:embed/>
                 </p:oleObj>
               </mc:Choice>
@@ -3804,7 +3804,7 @@
           <a:graphicData uri="http://schemas.openxmlformats.org/presentationml/2006/ole">
             <mc:AlternateContent xmlns:mc="http://schemas.openxmlformats.org/markup-compatibility/2006">
               <mc:Choice xmlns:v="urn:schemas-microsoft-com:vml" Requires="v">
-                <p:oleObj spid="_x0000_s584747" name="Equation" r:id="rId4" imgW="1739880" imgH="507960" progId="Equation.DSMT4">
+                <p:oleObj spid="_x0000_s584751" name="Equation" r:id="rId4" imgW="1739880" imgH="507960" progId="Equation.DSMT4">
                   <p:embed/>
                 </p:oleObj>
               </mc:Choice>
@@ -3899,7 +3899,7 @@
           <a:graphicData uri="http://schemas.openxmlformats.org/presentationml/2006/ole">
             <mc:AlternateContent xmlns:mc="http://schemas.openxmlformats.org/markup-compatibility/2006">
               <mc:Choice xmlns:v="urn:schemas-microsoft-com:vml" Requires="v">
-                <p:oleObj spid="_x0000_s584748" name="Equation" r:id="rId6" imgW="1600200" imgH="520700" progId="Equation.DSMT4">
+                <p:oleObj spid="_x0000_s584752" name="Equation" r:id="rId6" imgW="1600200" imgH="520700" progId="Equation.DSMT4">
                   <p:embed/>
                 </p:oleObj>
               </mc:Choice>
@@ -4018,7 +4018,7 @@
           <a:graphicData uri="http://schemas.openxmlformats.org/presentationml/2006/ole">
             <mc:AlternateContent xmlns:mc="http://schemas.openxmlformats.org/markup-compatibility/2006">
               <mc:Choice xmlns:v="urn:schemas-microsoft-com:vml" Requires="v">
-                <p:oleObj spid="_x0000_s584749" name="Equation" r:id="rId8" imgW="850900" imgH="355600" progId="Equation.DSMT4">
+                <p:oleObj spid="_x0000_s584753" name="Equation" r:id="rId8" imgW="850900" imgH="355600" progId="Equation.DSMT4">
                   <p:embed/>
                 </p:oleObj>
               </mc:Choice>
@@ -4406,7 +4406,7 @@
           <a:graphicData uri="http://schemas.openxmlformats.org/presentationml/2006/ole">
             <mc:AlternateContent xmlns:mc="http://schemas.openxmlformats.org/markup-compatibility/2006">
               <mc:Choice xmlns:v="urn:schemas-microsoft-com:vml" Requires="v">
-                <p:oleObj spid="_x0000_s211020" name="Equation" r:id="rId4" imgW="1651000" imgH="495300" progId="Equation.DSMT4">
+                <p:oleObj spid="_x0000_s211023" name="Equation" r:id="rId4" imgW="1651000" imgH="495300" progId="Equation.DSMT4">
                   <p:embed/>
                 </p:oleObj>
               </mc:Choice>
@@ -4463,25 +4463,25 @@
           <p:nvPr>
             <p:extLst>
               <p:ext uri="{D42A27DB-BD31-4B8C-83A1-F6EECF244321}">
-                <p14:modId xmlns:p14="http://schemas.microsoft.com/office/powerpoint/2010/main" val="1532024507"/>
+                <p14:modId xmlns:p14="http://schemas.microsoft.com/office/powerpoint/2010/main" val="2513673723"/>
               </p:ext>
             </p:extLst>
           </p:nvPr>
         </p:nvGraphicFramePr>
         <p:xfrm>
-          <a:off x="327025" y="2492375"/>
-          <a:ext cx="8578850" cy="1693863"/>
+          <a:off x="382588" y="2492375"/>
+          <a:ext cx="8466137" cy="1693863"/>
         </p:xfrm>
         <a:graphic>
           <a:graphicData uri="http://schemas.openxmlformats.org/presentationml/2006/ole">
             <mc:AlternateContent xmlns:mc="http://schemas.openxmlformats.org/markup-compatibility/2006">
               <mc:Choice xmlns:v="urn:schemas-microsoft-com:vml" Requires="v">
-                <p:oleObj spid="_x0000_s211021" name="Equation" r:id="rId6" imgW="1930400" imgH="381000" progId="Equation.DSMT4">
+                <p:oleObj spid="_x0000_s211024" name="Equation" r:id="rId6" imgW="1905000" imgH="381000" progId="Equation.DSMT4">
                   <p:embed/>
                 </p:oleObj>
               </mc:Choice>
               <mc:Fallback>
-                <p:oleObj name="Equation" r:id="rId6" imgW="1930400" imgH="381000" progId="Equation.DSMT4">
+                <p:oleObj name="Equation" r:id="rId6" imgW="1905000" imgH="381000" progId="Equation.DSMT4">
                   <p:embed/>
                   <p:pic>
                     <p:nvPicPr>
@@ -4500,8 +4500,8 @@
                     </p:blipFill>
                     <p:spPr bwMode="auto">
                       <a:xfrm>
-                        <a:off x="327025" y="2492375"/>
-                        <a:ext cx="8578850" cy="1693863"/>
+                        <a:off x="382588" y="2492375"/>
+                        <a:ext cx="8466137" cy="1693863"/>
                       </a:xfrm>
                       <a:prstGeom prst="rect">
                         <a:avLst/>
@@ -5273,7 +5273,7 @@
           <a:graphicData uri="http://schemas.openxmlformats.org/presentationml/2006/ole">
             <mc:AlternateContent xmlns:mc="http://schemas.openxmlformats.org/markup-compatibility/2006">
               <mc:Choice xmlns:v="urn:schemas-microsoft-com:vml" Requires="v">
-                <p:oleObj spid="_x0000_s213038" name="Equation" r:id="rId4" imgW="914400" imgH="220320" progId="Equation.DSMT4">
+                <p:oleObj spid="_x0000_s213040" name="Equation" r:id="rId4" imgW="914400" imgH="220320" progId="Equation.DSMT4">
                   <p:embed/>
                 </p:oleObj>
               </mc:Choice>
@@ -6429,7 +6429,7 @@
           <a:graphicData uri="http://schemas.openxmlformats.org/presentationml/2006/ole">
             <mc:AlternateContent xmlns:mc="http://schemas.openxmlformats.org/markup-compatibility/2006">
               <mc:Choice xmlns:v="urn:schemas-microsoft-com:vml" Requires="v">
-                <p:oleObj spid="_x0000_s1096" name="Equation" r:id="rId4" imgW="914400" imgH="220320" progId="Equation.DSMT4">
+                <p:oleObj spid="_x0000_s1099" name="Equation" r:id="rId4" imgW="914400" imgH="220320" progId="Equation.DSMT4">
                   <p:embed/>
                 </p:oleObj>
               </mc:Choice>
@@ -6499,7 +6499,7 @@
           <a:graphicData uri="http://schemas.openxmlformats.org/presentationml/2006/ole">
             <mc:AlternateContent xmlns:mc="http://schemas.openxmlformats.org/markup-compatibility/2006">
               <mc:Choice xmlns:v="urn:schemas-microsoft-com:vml" Requires="v">
-                <p:oleObj spid="_x0000_s1097" name="Equation" r:id="rId6" imgW="634680" imgH="304560" progId="Equation.DSMT4">
+                <p:oleObj spid="_x0000_s1100" name="Equation" r:id="rId6" imgW="634680" imgH="304560" progId="Equation.DSMT4">
                   <p:embed/>
                 </p:oleObj>
               </mc:Choice>
@@ -7048,7 +7048,7 @@
           <a:graphicData uri="http://schemas.openxmlformats.org/presentationml/2006/ole">
             <mc:AlternateContent xmlns:mc="http://schemas.openxmlformats.org/markup-compatibility/2006">
               <mc:Choice xmlns:v="urn:schemas-microsoft-com:vml" Requires="v">
-                <p:oleObj spid="_x0000_s486472" name="Equation" r:id="rId4" imgW="2171700" imgH="533400" progId="Equation.DSMT4">
+                <p:oleObj spid="_x0000_s486475" name="Equation" r:id="rId4" imgW="2171700" imgH="533400" progId="Equation.DSMT4">
                   <p:embed/>
                 </p:oleObj>
               </mc:Choice>
@@ -7136,22 +7136,28 @@
           <p:cNvGraphicFramePr>
             <a:graphicFrameLocks noChangeAspect="1"/>
           </p:cNvGraphicFramePr>
-          <p:nvPr/>
+          <p:nvPr>
+            <p:extLst>
+              <p:ext uri="{D42A27DB-BD31-4B8C-83A1-F6EECF244321}">
+                <p14:modId xmlns:p14="http://schemas.microsoft.com/office/powerpoint/2010/main" val="3225948994"/>
+              </p:ext>
+            </p:extLst>
+          </p:nvPr>
         </p:nvGraphicFramePr>
         <p:xfrm>
-          <a:off x="1263650" y="3922713"/>
-          <a:ext cx="6559550" cy="1722437"/>
+          <a:off x="1390650" y="3954463"/>
+          <a:ext cx="6303963" cy="1658937"/>
         </p:xfrm>
         <a:graphic>
           <a:graphicData uri="http://schemas.openxmlformats.org/presentationml/2006/ole">
             <mc:AlternateContent xmlns:mc="http://schemas.openxmlformats.org/markup-compatibility/2006">
               <mc:Choice xmlns:v="urn:schemas-microsoft-com:vml" Requires="v">
-                <p:oleObj spid="_x0000_s486473" name="Equation" r:id="rId6" imgW="1308100" imgH="342900" progId="Equation.DSMT4">
+                <p:oleObj spid="_x0000_s486476" name="Equation" r:id="rId6" imgW="1257300" imgH="330200" progId="Equation.DSMT4">
                   <p:embed/>
                 </p:oleObj>
               </mc:Choice>
               <mc:Fallback>
-                <p:oleObj name="Equation" r:id="rId6" imgW="1308100" imgH="342900" progId="Equation.DSMT4">
+                <p:oleObj name="Equation" r:id="rId6" imgW="1257300" imgH="330200" progId="Equation.DSMT4">
                   <p:embed/>
                   <p:pic>
                     <p:nvPicPr>
@@ -7162,13 +7168,7 @@
                       <p:nvPr/>
                     </p:nvPicPr>
                     <p:blipFill>
-                      <a:blip r:embed="rId7">
-                        <a:extLst>
-                          <a:ext uri="{28A0092B-C50C-407E-A947-70E740481C1C}">
-                            <a14:useLocalDpi xmlns:a14="http://schemas.microsoft.com/office/drawing/2010/main" val="0"/>
-                          </a:ext>
-                        </a:extLst>
-                      </a:blip>
+                      <a:blip r:embed="rId7"/>
                       <a:srcRect/>
                       <a:stretch>
                         <a:fillRect/>
@@ -7176,8 +7176,8 @@
                     </p:blipFill>
                     <p:spPr bwMode="auto">
                       <a:xfrm>
-                        <a:off x="1263650" y="3922713"/>
-                        <a:ext cx="6559550" cy="1722437"/>
+                        <a:off x="1390650" y="3954463"/>
+                        <a:ext cx="6303963" cy="1658937"/>
                       </a:xfrm>
                       <a:prstGeom prst="rect">
                         <a:avLst/>
@@ -7376,8 +7376,8 @@
         </p:nvSpPr>
         <p:spPr>
           <a:xfrm>
-            <a:off x="633588" y="1276584"/>
-            <a:ext cx="7538156" cy="4621859"/>
+            <a:off x="578324" y="1276584"/>
+            <a:ext cx="7994438" cy="4949199"/>
           </a:xfrm>
         </p:spPr>
         <p:txBody>
@@ -7424,11 +7424,17 @@
               <a:rPr lang="en-US" sz="6000" dirty="0" smtClean="0">
                 <a:sym typeface="Euclid Symbol"/>
               </a:rPr>
-              <a:t>⋅P</a:t>
+              <a:t>⋅</a:t>
+            </a:r>
+            <a:r>
+              <a:rPr lang="en-US" sz="6000" dirty="0" smtClean="0">
+                <a:sym typeface="Euclid Symbol"/>
+              </a:rPr>
+              <a:t>P</a:t>
             </a:r>
             <a:r>
               <a:rPr lang="en-US" sz="6000" dirty="0" smtClean="0"/>
-              <a:t>r{</a:t>
+              <a:t>r[</a:t>
             </a:r>
             <a:r>
               <a:rPr lang="en-US" sz="6000" dirty="0" smtClean="0">
@@ -7452,11 +7458,19 @@
                   <a:srgbClr val="0000FF"/>
                 </a:solidFill>
               </a:rPr>
-              <a:t>=1</a:t>
+              <a:t>=</a:t>
+            </a:r>
+            <a:r>
+              <a:rPr lang="en-US" sz="6000" dirty="0" smtClean="0">
+                <a:solidFill>
+                  <a:srgbClr val="0000FF"/>
+                </a:solidFill>
+              </a:rPr>
+              <a:t>1</a:t>
             </a:r>
             <a:r>
               <a:rPr lang="en-US" sz="6000" dirty="0" smtClean="0"/>
-              <a:t>}</a:t>
+              <a:t>]</a:t>
             </a:r>
             <a:r>
               <a:rPr lang="en-US" sz="6000" dirty="0" smtClean="0">
@@ -7495,7 +7509,7 @@
             </a:r>
             <a:r>
               <a:rPr lang="en-US" sz="6000" dirty="0" smtClean="0"/>
-              <a:t>Pr{</a:t>
+              <a:t>Pr[</a:t>
             </a:r>
             <a:r>
               <a:rPr lang="en-US" sz="6000" dirty="0" smtClean="0">
@@ -7519,40 +7533,7 @@
                   <a:srgbClr val="0000FF"/>
                 </a:solidFill>
               </a:rPr>
-              <a:t>=0</a:t>
-            </a:r>
-            <a:r>
-              <a:rPr lang="en-US" sz="6000" dirty="0" smtClean="0"/>
-              <a:t>}</a:t>
-            </a:r>
-          </a:p>
-          <a:p>
-            <a:pPr>
-              <a:buNone/>
-            </a:pPr>
-            <a:r>
-              <a:rPr lang="en-US" sz="6000" dirty="0" smtClean="0"/>
-              <a:t>         = </a:t>
-            </a:r>
-            <a:r>
-              <a:rPr lang="en-US" sz="6000" dirty="0" err="1" smtClean="0"/>
-              <a:t>Pr{</a:t>
-            </a:r>
-            <a:r>
-              <a:rPr lang="en-US" sz="6000" dirty="0" err="1" smtClean="0">
-                <a:solidFill>
-                  <a:srgbClr val="0000FF"/>
-                </a:solidFill>
-              </a:rPr>
-              <a:t>I</a:t>
-            </a:r>
-            <a:r>
-              <a:rPr lang="en-US" sz="6000" baseline="-25000" dirty="0" err="1" smtClean="0">
-                <a:solidFill>
-                  <a:srgbClr val="0000FF"/>
-                </a:solidFill>
-              </a:rPr>
-              <a:t>A</a:t>
+              <a:t>=</a:t>
             </a:r>
             <a:r>
               <a:rPr lang="en-US" sz="6000" dirty="0" smtClean="0">
@@ -7560,12 +7541,13 @@
                   <a:srgbClr val="0000FF"/>
                 </a:solidFill>
               </a:rPr>
-              <a:t>=1</a:t>
+              <a:t>0</a:t>
             </a:r>
             <a:r>
               <a:rPr lang="en-US" sz="6000" dirty="0" smtClean="0"/>
-              <a:t>}</a:t>
-            </a:r>
+              <a:t>]</a:t>
+            </a:r>
+            <a:endParaRPr lang="en-US" sz="6000" dirty="0" smtClean="0"/>
           </a:p>
           <a:p>
             <a:pPr>
@@ -7577,20 +7559,79 @@
             </a:r>
             <a:r>
               <a:rPr lang="en-US" sz="6000" dirty="0" err="1" smtClean="0"/>
-              <a:t>Pr{</a:t>
-            </a:r>
-            <a:r>
-              <a:rPr lang="en-US" sz="6000" dirty="0" err="1" smtClean="0">
+              <a:t>Pr</a:t>
+            </a:r>
+            <a:r>
+              <a:rPr lang="en-US" sz="6000" dirty="0" smtClean="0"/>
+              <a:t>[</a:t>
+            </a:r>
+            <a:r>
+              <a:rPr lang="en-US" sz="6000" dirty="0" smtClean="0">
                 <a:solidFill>
                   <a:srgbClr val="0000FF"/>
                 </a:solidFill>
               </a:rPr>
+              <a:t>I</a:t>
+            </a:r>
+            <a:r>
+              <a:rPr lang="en-US" sz="6000" baseline="-25000" dirty="0" smtClean="0">
+                <a:solidFill>
+                  <a:srgbClr val="0000FF"/>
+                </a:solidFill>
+              </a:rPr>
               <a:t>A</a:t>
             </a:r>
             <a:r>
+              <a:rPr lang="en-US" sz="6000" dirty="0" smtClean="0">
+                <a:solidFill>
+                  <a:srgbClr val="0000FF"/>
+                </a:solidFill>
+              </a:rPr>
+              <a:t>=</a:t>
+            </a:r>
+            <a:r>
+              <a:rPr lang="en-US" sz="6000" dirty="0" smtClean="0">
+                <a:solidFill>
+                  <a:srgbClr val="0000FF"/>
+                </a:solidFill>
+              </a:rPr>
+              <a:t>1</a:t>
+            </a:r>
+            <a:r>
               <a:rPr lang="en-US" sz="6000" dirty="0" smtClean="0"/>
-              <a:t>}</a:t>
-            </a:r>
+              <a:t>]</a:t>
+            </a:r>
+            <a:endParaRPr lang="en-US" sz="6000" dirty="0" smtClean="0"/>
+          </a:p>
+          <a:p>
+            <a:pPr>
+              <a:buNone/>
+            </a:pPr>
+            <a:r>
+              <a:rPr lang="en-US" sz="6000" dirty="0" smtClean="0"/>
+              <a:t>         = </a:t>
+            </a:r>
+            <a:r>
+              <a:rPr lang="en-US" sz="6000" dirty="0" err="1" smtClean="0"/>
+              <a:t>Pr</a:t>
+            </a:r>
+            <a:r>
+              <a:rPr lang="en-US" sz="6000" dirty="0" smtClean="0"/>
+              <a:t>[</a:t>
+            </a:r>
+            <a:r>
+              <a:rPr lang="en-US" sz="6000" dirty="0" smtClean="0">
+                <a:solidFill>
+                  <a:srgbClr val="0000FF"/>
+                </a:solidFill>
+              </a:rPr>
+              <a:t>A</a:t>
+            </a:r>
+            <a:r>
+              <a:rPr lang="en-US" sz="6000" dirty="0" smtClean="0"/>
+              <a:t>]</a:t>
+            </a:r>
+            <a:endParaRPr lang="en-US" sz="6000" dirty="0" smtClean="0"/>
           </a:p>
           <a:p>
             <a:pPr>
@@ -7669,7 +7710,7 @@
         </p:nvGrpSpPr>
         <p:grpSpPr>
           <a:xfrm>
-            <a:off x="536223" y="1326445"/>
+            <a:off x="536223" y="1281085"/>
             <a:ext cx="5108221" cy="4534371"/>
             <a:chOff x="536223" y="1326445"/>
             <a:chExt cx="5108221" cy="4534371"/>
@@ -8302,7 +8343,7 @@
           <a:graphicData uri="http://schemas.openxmlformats.org/presentationml/2006/ole">
             <mc:AlternateContent xmlns:mc="http://schemas.openxmlformats.org/markup-compatibility/2006">
               <mc:Choice xmlns:v="urn:schemas-microsoft-com:vml" Requires="v">
-                <p:oleObj spid="_x0000_s198728" name="Equation" r:id="rId4" imgW="1549400" imgH="520700" progId="Equation.DSMT4">
+                <p:oleObj spid="_x0000_s198731" name="Equation" r:id="rId4" imgW="1549400" imgH="520700" progId="Equation.DSMT4">
                   <p:embed/>
                 </p:oleObj>
               </mc:Choice>
@@ -8454,25 +8495,25 @@
           <p:nvPr>
             <p:extLst>
               <p:ext uri="{D42A27DB-BD31-4B8C-83A1-F6EECF244321}">
-                <p14:modId xmlns:p14="http://schemas.microsoft.com/office/powerpoint/2010/main" val="843790937"/>
+                <p14:modId xmlns:p14="http://schemas.microsoft.com/office/powerpoint/2010/main" val="605522779"/>
               </p:ext>
             </p:extLst>
           </p:nvPr>
         </p:nvGraphicFramePr>
         <p:xfrm>
-          <a:off x="903288" y="3463925"/>
-          <a:ext cx="7464425" cy="1354138"/>
+          <a:off x="973138" y="3463925"/>
+          <a:ext cx="7324725" cy="1354138"/>
         </p:xfrm>
         <a:graphic>
           <a:graphicData uri="http://schemas.openxmlformats.org/presentationml/2006/ole">
             <mc:AlternateContent xmlns:mc="http://schemas.openxmlformats.org/markup-compatibility/2006">
               <mc:Choice xmlns:v="urn:schemas-microsoft-com:vml" Requires="v">
-                <p:oleObj spid="_x0000_s198729" name="Equation" r:id="rId6" imgW="2032000" imgH="368300" progId="Equation.DSMT4">
+                <p:oleObj spid="_x0000_s198732" name="Equation" r:id="rId6" imgW="1993900" imgH="368300" progId="Equation.DSMT4">
                   <p:embed/>
                 </p:oleObj>
               </mc:Choice>
               <mc:Fallback>
-                <p:oleObj name="Equation" r:id="rId6" imgW="2032000" imgH="368300" progId="Equation.DSMT4">
+                <p:oleObj name="Equation" r:id="rId6" imgW="1993900" imgH="368300" progId="Equation.DSMT4">
                   <p:embed/>
                   <p:pic>
                     <p:nvPicPr>
@@ -8491,8 +8532,8 @@
                     </p:blipFill>
                     <p:spPr bwMode="auto">
                       <a:xfrm>
-                        <a:off x="903288" y="3463925"/>
-                        <a:ext cx="7464425" cy="1354138"/>
+                        <a:off x="973138" y="3463925"/>
+                        <a:ext cx="7324725" cy="1354138"/>
                       </a:xfrm>
                       <a:prstGeom prst="rect">
                         <a:avLst/>
@@ -8750,7 +8791,7 @@
           <a:graphicData uri="http://schemas.openxmlformats.org/presentationml/2006/ole">
             <mc:AlternateContent xmlns:mc="http://schemas.openxmlformats.org/markup-compatibility/2006">
               <mc:Choice xmlns:v="urn:schemas-microsoft-com:vml" Requires="v">
-                <p:oleObj spid="_x0000_s581659" name="Equation" r:id="rId4" imgW="1308100" imgH="520700" progId="Equation.DSMT4">
+                <p:oleObj spid="_x0000_s581662" name="Equation" r:id="rId4" imgW="1308100" imgH="520700" progId="Equation.DSMT4">
                   <p:embed/>
                 </p:oleObj>
               </mc:Choice>
@@ -8893,68 +8934,6 @@
           </a:p>
         </p:txBody>
       </p:sp>
-      <p:graphicFrame>
-        <p:nvGraphicFramePr>
-          <p:cNvPr id="188420" name="Object 2"/>
-          <p:cNvGraphicFramePr>
-            <a:graphicFrameLocks noChangeAspect="1"/>
-          </p:cNvGraphicFramePr>
-          <p:nvPr>
-            <p:extLst>
-              <p:ext uri="{D42A27DB-BD31-4B8C-83A1-F6EECF244321}">
-                <p14:modId xmlns:p14="http://schemas.microsoft.com/office/powerpoint/2010/main" val="329552362"/>
-              </p:ext>
-            </p:extLst>
-          </p:nvPr>
-        </p:nvGraphicFramePr>
-        <p:xfrm>
-          <a:off x="903288" y="3463925"/>
-          <a:ext cx="7464425" cy="1354138"/>
-        </p:xfrm>
-        <a:graphic>
-          <a:graphicData uri="http://schemas.openxmlformats.org/presentationml/2006/ole">
-            <mc:AlternateContent xmlns:mc="http://schemas.openxmlformats.org/markup-compatibility/2006">
-              <mc:Choice xmlns:v="urn:schemas-microsoft-com:vml" Requires="v">
-                <p:oleObj spid="_x0000_s581660" name="Equation" r:id="rId6" imgW="2032000" imgH="368300" progId="Equation.DSMT4">
-                  <p:embed/>
-                </p:oleObj>
-              </mc:Choice>
-              <mc:Fallback>
-                <p:oleObj name="Equation" r:id="rId6" imgW="2032000" imgH="368300" progId="Equation.DSMT4">
-                  <p:embed/>
-                  <p:pic>
-                    <p:nvPicPr>
-                      <p:cNvPr id="0" name=""/>
-                      <p:cNvPicPr>
-                        <a:picLocks noChangeAspect="1" noChangeArrowheads="1"/>
-                      </p:cNvPicPr>
-                      <p:nvPr/>
-                    </p:nvPicPr>
-                    <p:blipFill>
-                      <a:blip r:embed="rId7"/>
-                      <a:srcRect/>
-                      <a:stretch>
-                        <a:fillRect/>
-                      </a:stretch>
-                    </p:blipFill>
-                    <p:spPr bwMode="auto">
-                      <a:xfrm>
-                        <a:off x="903288" y="3463925"/>
-                        <a:ext cx="7464425" cy="1354138"/>
-                      </a:xfrm>
-                      <a:prstGeom prst="rect">
-                        <a:avLst/>
-                      </a:prstGeom>
-                      <a:noFill/>
-                      <a:extLst/>
-                    </p:spPr>
-                  </p:pic>
-                </p:oleObj>
-              </mc:Fallback>
-            </mc:AlternateContent>
-          </a:graphicData>
-        </a:graphic>
-      </p:graphicFrame>
       <p:sp>
         <p:nvSpPr>
           <p:cNvPr id="7" name="Slide Number Placeholder 3"/>
@@ -9012,6 +8991,68 @@
           </a:p>
         </p:txBody>
       </p:sp>
+      <p:graphicFrame>
+        <p:nvGraphicFramePr>
+          <p:cNvPr id="8" name="Object 2"/>
+          <p:cNvGraphicFramePr>
+            <a:graphicFrameLocks noChangeAspect="1"/>
+          </p:cNvGraphicFramePr>
+          <p:nvPr>
+            <p:extLst>
+              <p:ext uri="{D42A27DB-BD31-4B8C-83A1-F6EECF244321}">
+                <p14:modId xmlns:p14="http://schemas.microsoft.com/office/powerpoint/2010/main" val="673345839"/>
+              </p:ext>
+            </p:extLst>
+          </p:nvPr>
+        </p:nvGraphicFramePr>
+        <p:xfrm>
+          <a:off x="973138" y="3463925"/>
+          <a:ext cx="7324725" cy="1354138"/>
+        </p:xfrm>
+        <a:graphic>
+          <a:graphicData uri="http://schemas.openxmlformats.org/presentationml/2006/ole">
+            <mc:AlternateContent xmlns:mc="http://schemas.openxmlformats.org/markup-compatibility/2006">
+              <mc:Choice xmlns:v="urn:schemas-microsoft-com:vml" Requires="v">
+                <p:oleObj spid="_x0000_s581663" name="Equation" r:id="rId6" imgW="1993900" imgH="368300" progId="Equation.DSMT4">
+                  <p:embed/>
+                </p:oleObj>
+              </mc:Choice>
+              <mc:Fallback>
+                <p:oleObj name="Equation" r:id="rId6" imgW="1993900" imgH="368300" progId="Equation.DSMT4">
+                  <p:embed/>
+                  <p:pic>
+                    <p:nvPicPr>
+                      <p:cNvPr id="0" name=""/>
+                      <p:cNvPicPr>
+                        <a:picLocks noChangeAspect="1" noChangeArrowheads="1"/>
+                      </p:cNvPicPr>
+                      <p:nvPr/>
+                    </p:nvPicPr>
+                    <p:blipFill>
+                      <a:blip r:embed="rId7"/>
+                      <a:srcRect/>
+                      <a:stretch>
+                        <a:fillRect/>
+                      </a:stretch>
+                    </p:blipFill>
+                    <p:spPr bwMode="auto">
+                      <a:xfrm>
+                        <a:off x="973138" y="3463925"/>
+                        <a:ext cx="7324725" cy="1354138"/>
+                      </a:xfrm>
+                      <a:prstGeom prst="rect">
+                        <a:avLst/>
+                      </a:prstGeom>
+                      <a:noFill/>
+                      <a:extLst/>
+                    </p:spPr>
+                  </p:pic>
+                </p:oleObj>
+              </mc:Fallback>
+            </mc:AlternateContent>
+          </a:graphicData>
+        </a:graphic>
+      </p:graphicFrame>
     </p:spTree>
     <p:extLst>
       <p:ext uri="{BB962C8B-B14F-4D97-AF65-F5344CB8AC3E}">
@@ -9037,7 +9078,83 @@
   <p:timing>
     <p:tnLst>
       <p:par>
-        <p:cTn xmlns:p14="http://schemas.microsoft.com/office/powerpoint/2010/main" id="1" dur="indefinite" restart="never" nodeType="tmRoot"/>
+        <p:cTn xmlns:p14="http://schemas.microsoft.com/office/powerpoint/2010/main" id="1" dur="indefinite" restart="never" nodeType="tmRoot">
+          <p:childTnLst>
+            <p:seq concurrent="1" nextAc="seek">
+              <p:cTn id="2" dur="indefinite" nodeType="mainSeq">
+                <p:childTnLst>
+                  <p:par>
+                    <p:cTn id="3" fill="hold">
+                      <p:stCondLst>
+                        <p:cond delay="indefinite"/>
+                      </p:stCondLst>
+                      <p:childTnLst>
+                        <p:par>
+                          <p:cTn id="4" fill="hold">
+                            <p:stCondLst>
+                              <p:cond delay="0"/>
+                            </p:stCondLst>
+                            <p:childTnLst>
+                              <p:par>
+                                <p:cTn id="5" presetID="22" presetClass="entr" presetSubtype="8" fill="hold" nodeType="clickEffect">
+                                  <p:stCondLst>
+                                    <p:cond delay="0"/>
+                                  </p:stCondLst>
+                                  <p:childTnLst>
+                                    <p:set>
+                                      <p:cBhvr>
+                                        <p:cTn id="6" dur="1" fill="hold">
+                                          <p:stCondLst>
+                                            <p:cond delay="0"/>
+                                          </p:stCondLst>
+                                        </p:cTn>
+                                        <p:tgtEl>
+                                          <p:spTgt spid="8"/>
+                                        </p:tgtEl>
+                                        <p:attrNameLst>
+                                          <p:attrName>style.visibility</p:attrName>
+                                        </p:attrNameLst>
+                                      </p:cBhvr>
+                                      <p:to>
+                                        <p:strVal val="visible"/>
+                                      </p:to>
+                                    </p:set>
+                                    <p:animEffect transition="in" filter="wipe(left)">
+                                      <p:cBhvr>
+                                        <p:cTn id="7" dur="1000"/>
+                                        <p:tgtEl>
+                                          <p:spTgt spid="8"/>
+                                        </p:tgtEl>
+                                      </p:cBhvr>
+                                    </p:animEffect>
+                                  </p:childTnLst>
+                                </p:cTn>
+                              </p:par>
+                            </p:childTnLst>
+                          </p:cTn>
+                        </p:par>
+                      </p:childTnLst>
+                    </p:cTn>
+                  </p:par>
+                </p:childTnLst>
+              </p:cTn>
+              <p:prevCondLst>
+                <p:cond evt="onPrev" delay="0">
+                  <p:tgtEl>
+                    <p:sldTgt/>
+                  </p:tgtEl>
+                </p:cond>
+              </p:prevCondLst>
+              <p:nextCondLst>
+                <p:cond evt="onNext" delay="0">
+                  <p:tgtEl>
+                    <p:sldTgt/>
+                  </p:tgtEl>
+                </p:cond>
+              </p:nextCondLst>
+            </p:seq>
+          </p:childTnLst>
+        </p:cTn>
       </p:par>
     </p:tnLst>
   </p:timing>
@@ -9083,7 +9200,7 @@
           <a:graphicData uri="http://schemas.openxmlformats.org/presentationml/2006/ole">
             <mc:AlternateContent xmlns:mc="http://schemas.openxmlformats.org/markup-compatibility/2006">
               <mc:Choice xmlns:v="urn:schemas-microsoft-com:vml" Requires="v">
-                <p:oleObj spid="_x0000_s582685" name="Equation" r:id="rId4" imgW="1308100" imgH="520700" progId="Equation.DSMT4">
+                <p:oleObj spid="_x0000_s582688" name="Equation" r:id="rId4" imgW="1308100" imgH="520700" progId="Equation.DSMT4">
                   <p:embed/>
                 </p:oleObj>
               </mc:Choice>
@@ -9155,68 +9272,6 @@
           </a:p>
         </p:txBody>
       </p:sp>
-      <p:graphicFrame>
-        <p:nvGraphicFramePr>
-          <p:cNvPr id="188420" name="Object 2"/>
-          <p:cNvGraphicFramePr>
-            <a:graphicFrameLocks noChangeAspect="1"/>
-          </p:cNvGraphicFramePr>
-          <p:nvPr>
-            <p:extLst>
-              <p:ext uri="{D42A27DB-BD31-4B8C-83A1-F6EECF244321}">
-                <p14:modId xmlns:p14="http://schemas.microsoft.com/office/powerpoint/2010/main" val="2054047889"/>
-              </p:ext>
-            </p:extLst>
-          </p:nvPr>
-        </p:nvGraphicFramePr>
-        <p:xfrm>
-          <a:off x="903288" y="3463925"/>
-          <a:ext cx="7464425" cy="1354138"/>
-        </p:xfrm>
-        <a:graphic>
-          <a:graphicData uri="http://schemas.openxmlformats.org/presentationml/2006/ole">
-            <mc:AlternateContent xmlns:mc="http://schemas.openxmlformats.org/markup-compatibility/2006">
-              <mc:Choice xmlns:v="urn:schemas-microsoft-com:vml" Requires="v">
-                <p:oleObj spid="_x0000_s582686" name="Equation" r:id="rId6" imgW="2032000" imgH="368300" progId="Equation.DSMT4">
-                  <p:embed/>
-                </p:oleObj>
-              </mc:Choice>
-              <mc:Fallback>
-                <p:oleObj name="Equation" r:id="rId6" imgW="2032000" imgH="368300" progId="Equation.DSMT4">
-                  <p:embed/>
-                  <p:pic>
-                    <p:nvPicPr>
-                      <p:cNvPr id="0" name=""/>
-                      <p:cNvPicPr>
-                        <a:picLocks noChangeAspect="1" noChangeArrowheads="1"/>
-                      </p:cNvPicPr>
-                      <p:nvPr/>
-                    </p:nvPicPr>
-                    <p:blipFill>
-                      <a:blip r:embed="rId7"/>
-                      <a:srcRect/>
-                      <a:stretch>
-                        <a:fillRect/>
-                      </a:stretch>
-                    </p:blipFill>
-                    <p:spPr bwMode="auto">
-                      <a:xfrm>
-                        <a:off x="903288" y="3463925"/>
-                        <a:ext cx="7464425" cy="1354138"/>
-                      </a:xfrm>
-                      <a:prstGeom prst="rect">
-                        <a:avLst/>
-                      </a:prstGeom>
-                      <a:noFill/>
-                      <a:extLst/>
-                    </p:spPr>
-                  </p:pic>
-                </p:oleObj>
-              </mc:Fallback>
-            </mc:AlternateContent>
-          </a:graphicData>
-        </a:graphic>
-      </p:graphicFrame>
       <p:sp>
         <p:nvSpPr>
           <p:cNvPr id="7" name="Slide Number Placeholder 3"/>
@@ -9345,6 +9400,68 @@
           </a:p>
         </p:txBody>
       </p:sp>
+      <p:graphicFrame>
+        <p:nvGraphicFramePr>
+          <p:cNvPr id="9" name="Object 2"/>
+          <p:cNvGraphicFramePr>
+            <a:graphicFrameLocks noChangeAspect="1"/>
+          </p:cNvGraphicFramePr>
+          <p:nvPr>
+            <p:extLst>
+              <p:ext uri="{D42A27DB-BD31-4B8C-83A1-F6EECF244321}">
+                <p14:modId xmlns:p14="http://schemas.microsoft.com/office/powerpoint/2010/main" val="673345839"/>
+              </p:ext>
+            </p:extLst>
+          </p:nvPr>
+        </p:nvGraphicFramePr>
+        <p:xfrm>
+          <a:off x="973138" y="3463925"/>
+          <a:ext cx="7324725" cy="1354138"/>
+        </p:xfrm>
+        <a:graphic>
+          <a:graphicData uri="http://schemas.openxmlformats.org/presentationml/2006/ole">
+            <mc:AlternateContent xmlns:mc="http://schemas.openxmlformats.org/markup-compatibility/2006">
+              <mc:Choice xmlns:v="urn:schemas-microsoft-com:vml" Requires="v">
+                <p:oleObj spid="_x0000_s582689" name="Equation" r:id="rId6" imgW="1993900" imgH="368300" progId="Equation.DSMT4">
+                  <p:embed/>
+                </p:oleObj>
+              </mc:Choice>
+              <mc:Fallback>
+                <p:oleObj name="Equation" r:id="rId6" imgW="1993900" imgH="368300" progId="Equation.DSMT4">
+                  <p:embed/>
+                  <p:pic>
+                    <p:nvPicPr>
+                      <p:cNvPr id="0" name=""/>
+                      <p:cNvPicPr>
+                        <a:picLocks noChangeAspect="1" noChangeArrowheads="1"/>
+                      </p:cNvPicPr>
+                      <p:nvPr/>
+                    </p:nvPicPr>
+                    <p:blipFill>
+                      <a:blip r:embed="rId7"/>
+                      <a:srcRect/>
+                      <a:stretch>
+                        <a:fillRect/>
+                      </a:stretch>
+                    </p:blipFill>
+                    <p:spPr bwMode="auto">
+                      <a:xfrm>
+                        <a:off x="973138" y="3463925"/>
+                        <a:ext cx="7324725" cy="1354138"/>
+                      </a:xfrm>
+                      <a:prstGeom prst="rect">
+                        <a:avLst/>
+                      </a:prstGeom>
+                      <a:noFill/>
+                      <a:extLst/>
+                    </p:spPr>
+                  </p:pic>
+                </p:oleObj>
+              </mc:Fallback>
+            </mc:AlternateContent>
+          </a:graphicData>
+        </a:graphic>
+      </p:graphicFrame>
     </p:spTree>
     <p:extLst>
       <p:ext uri="{BB962C8B-B14F-4D97-AF65-F5344CB8AC3E}">
@@ -9361,7 +9478,83 @@
   <p:timing>
     <p:tnLst>
       <p:par>
-        <p:cTn xmlns:p14="http://schemas.microsoft.com/office/powerpoint/2010/main" id="1" dur="indefinite" restart="never" nodeType="tmRoot"/>
+        <p:cTn xmlns:p14="http://schemas.microsoft.com/office/powerpoint/2010/main" id="1" dur="indefinite" restart="never" nodeType="tmRoot">
+          <p:childTnLst>
+            <p:seq concurrent="1" nextAc="seek">
+              <p:cTn id="2" dur="indefinite" nodeType="mainSeq">
+                <p:childTnLst>
+                  <p:par>
+                    <p:cTn id="3" fill="hold">
+                      <p:stCondLst>
+                        <p:cond delay="indefinite"/>
+                      </p:stCondLst>
+                      <p:childTnLst>
+                        <p:par>
+                          <p:cTn id="4" fill="hold">
+                            <p:stCondLst>
+                              <p:cond delay="0"/>
+                            </p:stCondLst>
+                            <p:childTnLst>
+                              <p:par>
+                                <p:cTn id="5" presetID="22" presetClass="entr" presetSubtype="8" fill="hold" nodeType="clickEffect">
+                                  <p:stCondLst>
+                                    <p:cond delay="0"/>
+                                  </p:stCondLst>
+                                  <p:childTnLst>
+                                    <p:set>
+                                      <p:cBhvr>
+                                        <p:cTn id="6" dur="1" fill="hold">
+                                          <p:stCondLst>
+                                            <p:cond delay="0"/>
+                                          </p:stCondLst>
+                                        </p:cTn>
+                                        <p:tgtEl>
+                                          <p:spTgt spid="9"/>
+                                        </p:tgtEl>
+                                        <p:attrNameLst>
+                                          <p:attrName>style.visibility</p:attrName>
+                                        </p:attrNameLst>
+                                      </p:cBhvr>
+                                      <p:to>
+                                        <p:strVal val="visible"/>
+                                      </p:to>
+                                    </p:set>
+                                    <p:animEffect transition="in" filter="wipe(left)">
+                                      <p:cBhvr>
+                                        <p:cTn id="7" dur="1000"/>
+                                        <p:tgtEl>
+                                          <p:spTgt spid="9"/>
+                                        </p:tgtEl>
+                                      </p:cBhvr>
+                                    </p:animEffect>
+                                  </p:childTnLst>
+                                </p:cTn>
+                              </p:par>
+                            </p:childTnLst>
+                          </p:cTn>
+                        </p:par>
+                      </p:childTnLst>
+                    </p:cTn>
+                  </p:par>
+                </p:childTnLst>
+              </p:cTn>
+              <p:prevCondLst>
+                <p:cond evt="onPrev" delay="0">
+                  <p:tgtEl>
+                    <p:sldTgt/>
+                  </p:tgtEl>
+                </p:cond>
+              </p:prevCondLst>
+              <p:nextCondLst>
+                <p:cond evt="onNext" delay="0">
+                  <p:tgtEl>
+                    <p:sldTgt/>
+                  </p:tgtEl>
+                </p:cond>
+              </p:nextCondLst>
+            </p:seq>
+          </p:childTnLst>
+        </p:cTn>
       </p:par>
     </p:tnLst>
   </p:timing>
@@ -9434,7 +9627,7 @@
           <a:graphicData uri="http://schemas.openxmlformats.org/presentationml/2006/ole">
             <mc:AlternateContent xmlns:mc="http://schemas.openxmlformats.org/markup-compatibility/2006">
               <mc:Choice xmlns:v="urn:schemas-microsoft-com:vml" Requires="v">
-                <p:oleObj spid="_x0000_s200811" name="Equation" r:id="rId4" imgW="1536480" imgH="507960" progId="Equation.DSMT4">
+                <p:oleObj spid="_x0000_s200815" name="Equation" r:id="rId4" imgW="1536480" imgH="507960" progId="Equation.DSMT4">
                   <p:embed/>
                 </p:oleObj>
               </mc:Choice>
@@ -9510,7 +9703,7 @@
           <a:graphicData uri="http://schemas.openxmlformats.org/presentationml/2006/ole">
             <mc:AlternateContent xmlns:mc="http://schemas.openxmlformats.org/markup-compatibility/2006">
               <mc:Choice xmlns:v="urn:schemas-microsoft-com:vml" Requires="v">
-                <p:oleObj spid="_x0000_s200812" name="Equation" r:id="rId6" imgW="1955520" imgH="507960" progId="Equation.DSMT4">
+                <p:oleObj spid="_x0000_s200816" name="Equation" r:id="rId6" imgW="1955520" imgH="507960" progId="Equation.DSMT4">
                   <p:embed/>
                 </p:oleObj>
               </mc:Choice>
@@ -9572,7 +9765,7 @@
           <a:graphicData uri="http://schemas.openxmlformats.org/presentationml/2006/ole">
             <mc:AlternateContent xmlns:mc="http://schemas.openxmlformats.org/markup-compatibility/2006">
               <mc:Choice xmlns:v="urn:schemas-microsoft-com:vml" Requires="v">
-                <p:oleObj spid="_x0000_s200813" name="Equation" r:id="rId8" imgW="863280" imgH="228600" progId="Equation.DSMT4">
+                <p:oleObj spid="_x0000_s200817" name="Equation" r:id="rId8" imgW="863280" imgH="228600" progId="Equation.DSMT4">
                   <p:embed/>
                 </p:oleObj>
               </mc:Choice>
@@ -9922,7 +10115,7 @@
           <a:graphicData uri="http://schemas.openxmlformats.org/presentationml/2006/ole">
             <mc:AlternateContent xmlns:mc="http://schemas.openxmlformats.org/markup-compatibility/2006">
               <mc:Choice xmlns:v="urn:schemas-microsoft-com:vml" Requires="v">
-                <p:oleObj spid="_x0000_s202828" name="Equation" r:id="rId4" imgW="1739880" imgH="507960" progId="Equation.DSMT4">
+                <p:oleObj spid="_x0000_s202831" name="Equation" r:id="rId4" imgW="1739880" imgH="507960" progId="Equation.DSMT4">
                   <p:embed/>
                 </p:oleObj>
               </mc:Choice>
@@ -10017,7 +10210,7 @@
           <a:graphicData uri="http://schemas.openxmlformats.org/presentationml/2006/ole">
             <mc:AlternateContent xmlns:mc="http://schemas.openxmlformats.org/markup-compatibility/2006">
               <mc:Choice xmlns:v="urn:schemas-microsoft-com:vml" Requires="v">
-                <p:oleObj spid="_x0000_s202829" name="Equation" r:id="rId6" imgW="1955520" imgH="507960" progId="Equation.DSMT4">
+                <p:oleObj spid="_x0000_s202832" name="Equation" r:id="rId6" imgW="1955520" imgH="507960" progId="Equation.DSMT4">
                   <p:embed/>
                 </p:oleObj>
               </mc:Choice>
